--- a/PRESENTATION.pptx
+++ b/PRESENTATION.pptx
@@ -222,7 +222,7 @@
           <a:p>
             <a:fld id="{EF1077DB-935E-4A0A-947A-D283B9F9F452}" type="datetimeFigureOut">
               <a:rPr lang="en-US" smtClean="0"/>
-              <a:t>2/15/2020</a:t>
+              <a:t>2/16/2020</a:t>
             </a:fld>
             <a:endParaRPr lang="en-US" dirty="0"/>
           </a:p>
@@ -399,7 +399,7 @@
           <a:p>
             <a:fld id="{2D9EC30E-1A71-4188-9BE7-E2A64929A436}" type="datetimeFigureOut">
               <a:rPr lang="en-US" noProof="0" smtClean="0"/>
-              <a:t>2/15/2020</a:t>
+              <a:t>2/16/2020</a:t>
             </a:fld>
             <a:endParaRPr lang="en-US" noProof="0"/>
           </a:p>
@@ -710,7 +710,7 @@
           <a:bodyPr/>
           <a:lstStyle/>
           <a:p>
-            <a:endParaRPr lang="en-US"/>
+            <a:endParaRPr lang="en-US" dirty="0"/>
           </a:p>
         </p:txBody>
       </p:sp>
@@ -12747,12 +12747,11 @@
 </file>
 
 <file path=customXml/item1.xml><?xml version="1.0" encoding="utf-8"?>
-<?mso-contentType ?>
-<FormTemplates xmlns="http://schemas.microsoft.com/sharepoint/v3/contenttype/forms">
-  <Display>DocumentLibraryForm</Display>
-  <Edit>DocumentLibraryForm</Edit>
-  <New>DocumentLibraryForm</New>
-</FormTemplates>
+<p:properties xmlns:p="http://schemas.microsoft.com/office/2006/metadata/properties" xmlns:xsi="http://www.w3.org/2001/XMLSchema-instance" xmlns:pc="http://schemas.microsoft.com/office/infopath/2007/PartnerControls">
+  <documentManagement>
+    <MediaServiceKeyPoints xmlns="71af3243-3dd4-4a8d-8c0d-dd76da1f02a5" xsi:nil="true"/>
+  </documentManagement>
+</p:properties>
 </file>
 
 <file path=customXml/item2.xml><?xml version="1.0" encoding="utf-8"?>
@@ -12967,17 +12966,20 @@
 </file>
 
 <file path=customXml/item3.xml><?xml version="1.0" encoding="utf-8"?>
-<p:properties xmlns:p="http://schemas.microsoft.com/office/2006/metadata/properties" xmlns:xsi="http://www.w3.org/2001/XMLSchema-instance" xmlns:pc="http://schemas.microsoft.com/office/infopath/2007/PartnerControls">
-  <documentManagement>
-    <MediaServiceKeyPoints xmlns="71af3243-3dd4-4a8d-8c0d-dd76da1f02a5" xsi:nil="true"/>
-  </documentManagement>
-</p:properties>
+<?mso-contentType ?>
+<FormTemplates xmlns="http://schemas.microsoft.com/sharepoint/v3/contenttype/forms">
+  <Display>DocumentLibraryForm</Display>
+  <Edit>DocumentLibraryForm</Edit>
+  <New>DocumentLibraryForm</New>
+</FormTemplates>
 </file>
 
 <file path=customXml/itemProps1.xml><?xml version="1.0" encoding="utf-8"?>
-<ds:datastoreItem xmlns:ds="http://schemas.openxmlformats.org/officeDocument/2006/customXml" ds:itemID="{47323504-CBC8-4A2F-BF86-8DF0D94D4A3D}">
+<ds:datastoreItem xmlns:ds="http://schemas.openxmlformats.org/officeDocument/2006/customXml" ds:itemID="{96100F67-BC3D-46B4-8D39-802DC9D7F2EB}">
   <ds:schemaRefs>
-    <ds:schemaRef ds:uri="http://schemas.microsoft.com/sharepoint/v3/contenttype/forms"/>
+    <ds:schemaRef ds:uri="http://schemas.microsoft.com/office/2006/metadata/properties"/>
+    <ds:schemaRef ds:uri="http://schemas.microsoft.com/office/infopath/2007/PartnerControls"/>
+    <ds:schemaRef ds:uri="71af3243-3dd4-4a8d-8c0d-dd76da1f02a5"/>
   </ds:schemaRefs>
 </ds:datastoreItem>
 </file>
@@ -13002,11 +13004,9 @@
 </file>
 
 <file path=customXml/itemProps3.xml><?xml version="1.0" encoding="utf-8"?>
-<ds:datastoreItem xmlns:ds="http://schemas.openxmlformats.org/officeDocument/2006/customXml" ds:itemID="{96100F67-BC3D-46B4-8D39-802DC9D7F2EB}">
+<ds:datastoreItem xmlns:ds="http://schemas.openxmlformats.org/officeDocument/2006/customXml" ds:itemID="{47323504-CBC8-4A2F-BF86-8DF0D94D4A3D}">
   <ds:schemaRefs>
-    <ds:schemaRef ds:uri="http://schemas.microsoft.com/office/2006/metadata/properties"/>
-    <ds:schemaRef ds:uri="http://schemas.microsoft.com/office/infopath/2007/PartnerControls"/>
-    <ds:schemaRef ds:uri="71af3243-3dd4-4a8d-8c0d-dd76da1f02a5"/>
+    <ds:schemaRef ds:uri="http://schemas.microsoft.com/sharepoint/v3/contenttype/forms"/>
   </ds:schemaRefs>
 </ds:datastoreItem>
 </file>